--- a/Relatório/imagens/Apresentação1.pptx
+++ b/Relatório/imagens/Apresentação1.pptx
@@ -8,7 +8,8 @@
     <p:sldId id="256" r:id="rId2"/>
     <p:sldId id="257" r:id="rId3"/>
     <p:sldId id="259" r:id="rId4"/>
-    <p:sldId id="258" r:id="rId5"/>
+    <p:sldId id="260" r:id="rId5"/>
+    <p:sldId id="258" r:id="rId6"/>
   </p:sldIdLst>
   <p:sldSz cx="9144000" cy="6858000" type="screen4x3"/>
   <p:notesSz cx="6858000" cy="9144000"/>
@@ -292,7 +293,7 @@
             <a:fld id="{58DD0C1A-2B89-4FB9-B9AB-D618F1D31A4F}" type="datetimeFigureOut">
               <a:rPr lang="pt-BR" smtClean="0"/>
               <a:pPr/>
-              <a:t>06/08/2020</a:t>
+              <a:t>07/08/2020</a:t>
             </a:fld>
             <a:endParaRPr lang="pt-BR"/>
           </a:p>
@@ -459,7 +460,7 @@
             <a:fld id="{58DD0C1A-2B89-4FB9-B9AB-D618F1D31A4F}" type="datetimeFigureOut">
               <a:rPr lang="pt-BR" smtClean="0"/>
               <a:pPr/>
-              <a:t>06/08/2020</a:t>
+              <a:t>07/08/2020</a:t>
             </a:fld>
             <a:endParaRPr lang="pt-BR"/>
           </a:p>
@@ -636,7 +637,7 @@
             <a:fld id="{58DD0C1A-2B89-4FB9-B9AB-D618F1D31A4F}" type="datetimeFigureOut">
               <a:rPr lang="pt-BR" smtClean="0"/>
               <a:pPr/>
-              <a:t>06/08/2020</a:t>
+              <a:t>07/08/2020</a:t>
             </a:fld>
             <a:endParaRPr lang="pt-BR"/>
           </a:p>
@@ -803,7 +804,7 @@
             <a:fld id="{58DD0C1A-2B89-4FB9-B9AB-D618F1D31A4F}" type="datetimeFigureOut">
               <a:rPr lang="pt-BR" smtClean="0"/>
               <a:pPr/>
-              <a:t>06/08/2020</a:t>
+              <a:t>07/08/2020</a:t>
             </a:fld>
             <a:endParaRPr lang="pt-BR"/>
           </a:p>
@@ -1046,7 +1047,7 @@
             <a:fld id="{58DD0C1A-2B89-4FB9-B9AB-D618F1D31A4F}" type="datetimeFigureOut">
               <a:rPr lang="pt-BR" smtClean="0"/>
               <a:pPr/>
-              <a:t>06/08/2020</a:t>
+              <a:t>07/08/2020</a:t>
             </a:fld>
             <a:endParaRPr lang="pt-BR"/>
           </a:p>
@@ -1331,7 +1332,7 @@
             <a:fld id="{58DD0C1A-2B89-4FB9-B9AB-D618F1D31A4F}" type="datetimeFigureOut">
               <a:rPr lang="pt-BR" smtClean="0"/>
               <a:pPr/>
-              <a:t>06/08/2020</a:t>
+              <a:t>07/08/2020</a:t>
             </a:fld>
             <a:endParaRPr lang="pt-BR"/>
           </a:p>
@@ -1750,7 +1751,7 @@
             <a:fld id="{58DD0C1A-2B89-4FB9-B9AB-D618F1D31A4F}" type="datetimeFigureOut">
               <a:rPr lang="pt-BR" smtClean="0"/>
               <a:pPr/>
-              <a:t>06/08/2020</a:t>
+              <a:t>07/08/2020</a:t>
             </a:fld>
             <a:endParaRPr lang="pt-BR"/>
           </a:p>
@@ -1865,7 +1866,7 @@
             <a:fld id="{58DD0C1A-2B89-4FB9-B9AB-D618F1D31A4F}" type="datetimeFigureOut">
               <a:rPr lang="pt-BR" smtClean="0"/>
               <a:pPr/>
-              <a:t>06/08/2020</a:t>
+              <a:t>07/08/2020</a:t>
             </a:fld>
             <a:endParaRPr lang="pt-BR"/>
           </a:p>
@@ -1957,7 +1958,7 @@
             <a:fld id="{58DD0C1A-2B89-4FB9-B9AB-D618F1D31A4F}" type="datetimeFigureOut">
               <a:rPr lang="pt-BR" smtClean="0"/>
               <a:pPr/>
-              <a:t>06/08/2020</a:t>
+              <a:t>07/08/2020</a:t>
             </a:fld>
             <a:endParaRPr lang="pt-BR"/>
           </a:p>
@@ -2231,7 +2232,7 @@
             <a:fld id="{58DD0C1A-2B89-4FB9-B9AB-D618F1D31A4F}" type="datetimeFigureOut">
               <a:rPr lang="pt-BR" smtClean="0"/>
               <a:pPr/>
-              <a:t>06/08/2020</a:t>
+              <a:t>07/08/2020</a:t>
             </a:fld>
             <a:endParaRPr lang="pt-BR"/>
           </a:p>
@@ -2481,7 +2482,7 @@
             <a:fld id="{58DD0C1A-2B89-4FB9-B9AB-D618F1D31A4F}" type="datetimeFigureOut">
               <a:rPr lang="pt-BR" smtClean="0"/>
               <a:pPr/>
-              <a:t>06/08/2020</a:t>
+              <a:t>07/08/2020</a:t>
             </a:fld>
             <a:endParaRPr lang="pt-BR"/>
           </a:p>
@@ -2691,7 +2692,7 @@
             <a:fld id="{58DD0C1A-2B89-4FB9-B9AB-D618F1D31A4F}" type="datetimeFigureOut">
               <a:rPr lang="pt-BR" smtClean="0"/>
               <a:pPr/>
-              <a:t>06/08/2020</a:t>
+              <a:t>07/08/2020</a:t>
             </a:fld>
             <a:endParaRPr lang="pt-BR"/>
           </a:p>
@@ -7494,6 +7495,1272 @@
 </file>
 
 <file path=ppt/slides/slide4.xml><?xml version="1.0" encoding="utf-8"?>
+<p:sld xmlns:a="http://schemas.openxmlformats.org/drawingml/2006/main" xmlns:r="http://schemas.openxmlformats.org/officeDocument/2006/relationships" xmlns:p="http://schemas.openxmlformats.org/presentationml/2006/main">
+  <p:cSld>
+    <p:spTree>
+      <p:nvGrpSpPr>
+        <p:cNvPr id="1" name=""/>
+        <p:cNvGrpSpPr/>
+        <p:nvPr/>
+      </p:nvGrpSpPr>
+      <p:grpSpPr>
+        <a:xfrm>
+          <a:off x="0" y="0"/>
+          <a:ext cx="0" cy="0"/>
+          <a:chOff x="0" y="0"/>
+          <a:chExt cx="0" cy="0"/>
+        </a:xfrm>
+      </p:grpSpPr>
+      <p:sp>
+        <p:nvSpPr>
+          <p:cNvPr id="2" name="Título 1"/>
+          <p:cNvSpPr>
+            <a:spLocks noGrp="1"/>
+          </p:cNvSpPr>
+          <p:nvPr>
+            <p:ph type="title"/>
+          </p:nvPr>
+        </p:nvSpPr>
+        <p:spPr/>
+        <p:txBody>
+          <a:bodyPr/>
+          <a:lstStyle/>
+          <a:p>
+            <a:endParaRPr lang="pt-BR"/>
+          </a:p>
+        </p:txBody>
+      </p:sp>
+      <p:sp>
+        <p:nvSpPr>
+          <p:cNvPr id="67" name="Retângulo 66"/>
+          <p:cNvSpPr/>
+          <p:nvPr/>
+        </p:nvSpPr>
+        <p:spPr>
+          <a:xfrm>
+            <a:off x="1714480" y="2214555"/>
+            <a:ext cx="642943" cy="357190"/>
+          </a:xfrm>
+          <a:prstGeom prst="rect">
+            <a:avLst/>
+          </a:prstGeom>
+          <a:noFill/>
+          <a:ln>
+            <a:solidFill>
+              <a:schemeClr val="tx1"/>
+            </a:solidFill>
+          </a:ln>
+        </p:spPr>
+        <p:style>
+          <a:lnRef idx="2">
+            <a:schemeClr val="accent1">
+              <a:shade val="50000"/>
+            </a:schemeClr>
+          </a:lnRef>
+          <a:fillRef idx="1">
+            <a:schemeClr val="accent1"/>
+          </a:fillRef>
+          <a:effectRef idx="0">
+            <a:schemeClr val="accent1"/>
+          </a:effectRef>
+          <a:fontRef idx="minor">
+            <a:schemeClr val="lt1"/>
+          </a:fontRef>
+        </p:style>
+        <p:txBody>
+          <a:bodyPr rtlCol="0" anchor="ctr"/>
+          <a:lstStyle/>
+          <a:p>
+            <a:pPr algn="ctr"/>
+            <a:r>
+              <a:rPr lang="pt-BR" sz="1400" b="1" dirty="0" smtClean="0">
+                <a:solidFill>
+                  <a:schemeClr val="tx1"/>
+                </a:solidFill>
+              </a:rPr>
+              <a:t>VJ</a:t>
+            </a:r>
+            <a:endParaRPr lang="pt-BR" b="1" dirty="0">
+              <a:solidFill>
+                <a:schemeClr val="tx1"/>
+              </a:solidFill>
+            </a:endParaRPr>
+          </a:p>
+        </p:txBody>
+      </p:sp>
+      <p:sp>
+        <p:nvSpPr>
+          <p:cNvPr id="68" name="Retângulo 67"/>
+          <p:cNvSpPr/>
+          <p:nvPr/>
+        </p:nvSpPr>
+        <p:spPr>
+          <a:xfrm>
+            <a:off x="2786050" y="2214555"/>
+            <a:ext cx="642943" cy="357190"/>
+          </a:xfrm>
+          <a:prstGeom prst="rect">
+            <a:avLst/>
+          </a:prstGeom>
+          <a:noFill/>
+          <a:ln>
+            <a:solidFill>
+              <a:schemeClr val="tx1"/>
+            </a:solidFill>
+          </a:ln>
+        </p:spPr>
+        <p:style>
+          <a:lnRef idx="2">
+            <a:schemeClr val="accent1">
+              <a:shade val="50000"/>
+            </a:schemeClr>
+          </a:lnRef>
+          <a:fillRef idx="1">
+            <a:schemeClr val="accent1"/>
+          </a:fillRef>
+          <a:effectRef idx="0">
+            <a:schemeClr val="accent1"/>
+          </a:effectRef>
+          <a:fontRef idx="minor">
+            <a:schemeClr val="lt1"/>
+          </a:fontRef>
+        </p:style>
+        <p:txBody>
+          <a:bodyPr rtlCol="0" anchor="ctr"/>
+          <a:lstStyle/>
+          <a:p>
+            <a:pPr algn="ctr"/>
+            <a:r>
+              <a:rPr lang="pt-BR" sz="1400" b="1" dirty="0" smtClean="0">
+                <a:solidFill>
+                  <a:schemeClr val="tx1"/>
+                </a:solidFill>
+              </a:rPr>
+              <a:t>resize</a:t>
+            </a:r>
+            <a:endParaRPr lang="pt-BR" sz="1400" b="1" dirty="0">
+              <a:solidFill>
+                <a:schemeClr val="tx1"/>
+              </a:solidFill>
+            </a:endParaRPr>
+          </a:p>
+        </p:txBody>
+      </p:sp>
+      <p:cxnSp>
+        <p:nvCxnSpPr>
+          <p:cNvPr id="69" name="Conector de seta reta 68"/>
+          <p:cNvCxnSpPr>
+            <a:stCxn id="67" idx="3"/>
+            <a:endCxn id="68" idx="1"/>
+          </p:cNvCxnSpPr>
+          <p:nvPr/>
+        </p:nvCxnSpPr>
+        <p:spPr>
+          <a:xfrm>
+            <a:off x="2357423" y="2393150"/>
+            <a:ext cx="428627" cy="1588"/>
+          </a:xfrm>
+          <a:prstGeom prst="straightConnector1">
+            <a:avLst/>
+          </a:prstGeom>
+          <a:ln w="15875">
+            <a:solidFill>
+              <a:schemeClr val="tx1"/>
+            </a:solidFill>
+            <a:tailEnd type="arrow"/>
+          </a:ln>
+        </p:spPr>
+        <p:style>
+          <a:lnRef idx="1">
+            <a:schemeClr val="accent1"/>
+          </a:lnRef>
+          <a:fillRef idx="0">
+            <a:schemeClr val="accent1"/>
+          </a:fillRef>
+          <a:effectRef idx="0">
+            <a:schemeClr val="accent1"/>
+          </a:effectRef>
+          <a:fontRef idx="minor">
+            <a:schemeClr val="tx1"/>
+          </a:fontRef>
+        </p:style>
+      </p:cxnSp>
+      <p:sp>
+        <p:nvSpPr>
+          <p:cNvPr id="70" name="Retângulo 69"/>
+          <p:cNvSpPr/>
+          <p:nvPr/>
+        </p:nvSpPr>
+        <p:spPr>
+          <a:xfrm>
+            <a:off x="428596" y="2214555"/>
+            <a:ext cx="857257" cy="357190"/>
+          </a:xfrm>
+          <a:prstGeom prst="rect">
+            <a:avLst/>
+          </a:prstGeom>
+          <a:noFill/>
+          <a:ln>
+            <a:solidFill>
+              <a:schemeClr val="tx1"/>
+            </a:solidFill>
+          </a:ln>
+        </p:spPr>
+        <p:style>
+          <a:lnRef idx="2">
+            <a:schemeClr val="accent1">
+              <a:shade val="50000"/>
+            </a:schemeClr>
+          </a:lnRef>
+          <a:fillRef idx="1">
+            <a:schemeClr val="accent1"/>
+          </a:fillRef>
+          <a:effectRef idx="0">
+            <a:schemeClr val="accent1"/>
+          </a:effectRef>
+          <a:fontRef idx="minor">
+            <a:schemeClr val="lt1"/>
+          </a:fontRef>
+        </p:style>
+        <p:txBody>
+          <a:bodyPr rtlCol="0" anchor="ctr"/>
+          <a:lstStyle/>
+          <a:p>
+            <a:pPr algn="ctr"/>
+            <a:r>
+              <a:rPr lang="pt-BR" sz="1400" b="1" dirty="0" smtClean="0">
+                <a:solidFill>
+                  <a:schemeClr val="tx1"/>
+                </a:solidFill>
+              </a:rPr>
+              <a:t>Original</a:t>
+            </a:r>
+            <a:endParaRPr lang="pt-BR" sz="1100" b="1" dirty="0">
+              <a:solidFill>
+                <a:schemeClr val="tx1"/>
+              </a:solidFill>
+            </a:endParaRPr>
+          </a:p>
+        </p:txBody>
+      </p:sp>
+      <p:cxnSp>
+        <p:nvCxnSpPr>
+          <p:cNvPr id="71" name="Conector de seta reta 70"/>
+          <p:cNvCxnSpPr>
+            <a:stCxn id="70" idx="3"/>
+            <a:endCxn id="67" idx="1"/>
+          </p:cNvCxnSpPr>
+          <p:nvPr/>
+        </p:nvCxnSpPr>
+        <p:spPr>
+          <a:xfrm>
+            <a:off x="1285853" y="2393150"/>
+            <a:ext cx="428627" cy="1588"/>
+          </a:xfrm>
+          <a:prstGeom prst="straightConnector1">
+            <a:avLst/>
+          </a:prstGeom>
+          <a:ln w="15875">
+            <a:solidFill>
+              <a:schemeClr val="tx1"/>
+            </a:solidFill>
+            <a:tailEnd type="arrow"/>
+          </a:ln>
+        </p:spPr>
+        <p:style>
+          <a:lnRef idx="1">
+            <a:schemeClr val="accent1"/>
+          </a:lnRef>
+          <a:fillRef idx="0">
+            <a:schemeClr val="accent1"/>
+          </a:fillRef>
+          <a:effectRef idx="0">
+            <a:schemeClr val="accent1"/>
+          </a:effectRef>
+          <a:fontRef idx="minor">
+            <a:schemeClr val="tx1"/>
+          </a:fontRef>
+        </p:style>
+      </p:cxnSp>
+      <p:sp>
+        <p:nvSpPr>
+          <p:cNvPr id="74" name="Chave esquerda 73"/>
+          <p:cNvSpPr/>
+          <p:nvPr/>
+        </p:nvSpPr>
+        <p:spPr>
+          <a:xfrm rot="16200000">
+            <a:off x="2482440" y="1910943"/>
+            <a:ext cx="178593" cy="1714513"/>
+          </a:xfrm>
+          <a:prstGeom prst="leftBrace">
+            <a:avLst/>
+          </a:prstGeom>
+          <a:ln>
+            <a:solidFill>
+              <a:schemeClr val="tx1"/>
+            </a:solidFill>
+          </a:ln>
+        </p:spPr>
+        <p:style>
+          <a:lnRef idx="1">
+            <a:schemeClr val="accent1"/>
+          </a:lnRef>
+          <a:fillRef idx="0">
+            <a:schemeClr val="accent1"/>
+          </a:fillRef>
+          <a:effectRef idx="0">
+            <a:schemeClr val="accent1"/>
+          </a:effectRef>
+          <a:fontRef idx="minor">
+            <a:schemeClr val="tx1"/>
+          </a:fontRef>
+        </p:style>
+        <p:txBody>
+          <a:bodyPr rtlCol="0" anchor="ctr"/>
+          <a:lstStyle/>
+          <a:p>
+            <a:pPr algn="ctr"/>
+            <a:endParaRPr lang="pt-BR" dirty="0"/>
+          </a:p>
+        </p:txBody>
+      </p:sp>
+      <p:sp>
+        <p:nvSpPr>
+          <p:cNvPr id="75" name="CaixaDeTexto 74"/>
+          <p:cNvSpPr txBox="1"/>
+          <p:nvPr/>
+        </p:nvSpPr>
+        <p:spPr>
+          <a:xfrm>
+            <a:off x="1731340" y="2786058"/>
+            <a:ext cx="1626214" cy="307777"/>
+          </a:xfrm>
+          <a:prstGeom prst="rect">
+            <a:avLst/>
+          </a:prstGeom>
+          <a:noFill/>
+        </p:spPr>
+        <p:txBody>
+          <a:bodyPr wrap="none" rtlCol="0">
+            <a:spAutoFit/>
+          </a:bodyPr>
+          <a:lstStyle/>
+          <a:p>
+            <a:r>
+              <a:rPr lang="pt-BR" sz="1400" b="1" dirty="0" smtClean="0"/>
+              <a:t>Pré-processamento</a:t>
+            </a:r>
+            <a:endParaRPr lang="pt-BR" sz="1400" b="1" dirty="0"/>
+          </a:p>
+        </p:txBody>
+      </p:sp>
+      <p:sp>
+        <p:nvSpPr>
+          <p:cNvPr id="76" name="Retângulo 75"/>
+          <p:cNvSpPr/>
+          <p:nvPr/>
+        </p:nvSpPr>
+        <p:spPr>
+          <a:xfrm>
+            <a:off x="3857620" y="2214554"/>
+            <a:ext cx="1071570" cy="357190"/>
+          </a:xfrm>
+          <a:prstGeom prst="rect">
+            <a:avLst/>
+          </a:prstGeom>
+          <a:noFill/>
+          <a:ln>
+            <a:solidFill>
+              <a:schemeClr val="tx1"/>
+            </a:solidFill>
+          </a:ln>
+        </p:spPr>
+        <p:style>
+          <a:lnRef idx="2">
+            <a:schemeClr val="accent1">
+              <a:shade val="50000"/>
+            </a:schemeClr>
+          </a:lnRef>
+          <a:fillRef idx="1">
+            <a:schemeClr val="accent1"/>
+          </a:fillRef>
+          <a:effectRef idx="0">
+            <a:schemeClr val="accent1"/>
+          </a:effectRef>
+          <a:fontRef idx="minor">
+            <a:schemeClr val="lt1"/>
+          </a:fontRef>
+        </p:style>
+        <p:txBody>
+          <a:bodyPr rtlCol="0" anchor="ctr"/>
+          <a:lstStyle/>
+          <a:p>
+            <a:pPr algn="ctr"/>
+            <a:r>
+              <a:rPr lang="pt-BR" sz="1400" b="1" dirty="0" smtClean="0">
+                <a:solidFill>
+                  <a:schemeClr val="tx1"/>
+                </a:solidFill>
+              </a:rPr>
+              <a:t>featurizer</a:t>
+            </a:r>
+            <a:endParaRPr lang="pt-BR" sz="1400" b="1" dirty="0">
+              <a:solidFill>
+                <a:schemeClr val="tx1"/>
+              </a:solidFill>
+            </a:endParaRPr>
+          </a:p>
+        </p:txBody>
+      </p:sp>
+      <p:cxnSp>
+        <p:nvCxnSpPr>
+          <p:cNvPr id="77" name="Conector de seta reta 76"/>
+          <p:cNvCxnSpPr>
+            <a:stCxn id="68" idx="3"/>
+            <a:endCxn id="76" idx="1"/>
+          </p:cNvCxnSpPr>
+          <p:nvPr/>
+        </p:nvCxnSpPr>
+        <p:spPr>
+          <a:xfrm flipV="1">
+            <a:off x="3428993" y="2393149"/>
+            <a:ext cx="428627" cy="1"/>
+          </a:xfrm>
+          <a:prstGeom prst="straightConnector1">
+            <a:avLst/>
+          </a:prstGeom>
+          <a:ln w="15875">
+            <a:solidFill>
+              <a:schemeClr val="tx1"/>
+            </a:solidFill>
+            <a:tailEnd type="arrow"/>
+          </a:ln>
+        </p:spPr>
+        <p:style>
+          <a:lnRef idx="1">
+            <a:schemeClr val="accent1"/>
+          </a:lnRef>
+          <a:fillRef idx="0">
+            <a:schemeClr val="accent1"/>
+          </a:fillRef>
+          <a:effectRef idx="0">
+            <a:schemeClr val="accent1"/>
+          </a:effectRef>
+          <a:fontRef idx="minor">
+            <a:schemeClr val="tx1"/>
+          </a:fontRef>
+        </p:style>
+      </p:cxnSp>
+      <p:sp>
+        <p:nvSpPr>
+          <p:cNvPr id="90" name="Retângulo 89"/>
+          <p:cNvSpPr/>
+          <p:nvPr/>
+        </p:nvSpPr>
+        <p:spPr>
+          <a:xfrm>
+            <a:off x="5286380" y="2214554"/>
+            <a:ext cx="1071570" cy="357190"/>
+          </a:xfrm>
+          <a:prstGeom prst="rect">
+            <a:avLst/>
+          </a:prstGeom>
+          <a:noFill/>
+          <a:ln>
+            <a:solidFill>
+              <a:schemeClr val="tx1"/>
+            </a:solidFill>
+          </a:ln>
+        </p:spPr>
+        <p:style>
+          <a:lnRef idx="2">
+            <a:schemeClr val="accent1">
+              <a:shade val="50000"/>
+            </a:schemeClr>
+          </a:lnRef>
+          <a:fillRef idx="1">
+            <a:schemeClr val="accent1"/>
+          </a:fillRef>
+          <a:effectRef idx="0">
+            <a:schemeClr val="accent1"/>
+          </a:effectRef>
+          <a:fontRef idx="minor">
+            <a:schemeClr val="lt1"/>
+          </a:fontRef>
+        </p:style>
+        <p:txBody>
+          <a:bodyPr rtlCol="0" anchor="ctr"/>
+          <a:lstStyle/>
+          <a:p>
+            <a:pPr algn="ctr"/>
+            <a:r>
+              <a:rPr lang="pt-BR" sz="1400" b="1" dirty="0" smtClean="0">
+                <a:solidFill>
+                  <a:schemeClr val="tx1"/>
+                </a:solidFill>
+              </a:rPr>
+              <a:t>classifiers</a:t>
+            </a:r>
+            <a:endParaRPr lang="pt-BR" sz="1400" b="1" dirty="0">
+              <a:solidFill>
+                <a:schemeClr val="tx1"/>
+              </a:solidFill>
+            </a:endParaRPr>
+          </a:p>
+        </p:txBody>
+      </p:sp>
+      <p:cxnSp>
+        <p:nvCxnSpPr>
+          <p:cNvPr id="91" name="Conector de seta reta 90"/>
+          <p:cNvCxnSpPr>
+            <a:stCxn id="76" idx="3"/>
+            <a:endCxn id="90" idx="1"/>
+          </p:cNvCxnSpPr>
+          <p:nvPr/>
+        </p:nvCxnSpPr>
+        <p:spPr>
+          <a:xfrm>
+            <a:off x="4929190" y="2393149"/>
+            <a:ext cx="357190" cy="1588"/>
+          </a:xfrm>
+          <a:prstGeom prst="straightConnector1">
+            <a:avLst/>
+          </a:prstGeom>
+          <a:ln w="15875">
+            <a:solidFill>
+              <a:schemeClr val="tx1"/>
+            </a:solidFill>
+            <a:tailEnd type="arrow"/>
+          </a:ln>
+        </p:spPr>
+        <p:style>
+          <a:lnRef idx="1">
+            <a:schemeClr val="accent1"/>
+          </a:lnRef>
+          <a:fillRef idx="0">
+            <a:schemeClr val="accent1"/>
+          </a:fillRef>
+          <a:effectRef idx="0">
+            <a:schemeClr val="accent1"/>
+          </a:effectRef>
+          <a:fontRef idx="minor">
+            <a:schemeClr val="tx1"/>
+          </a:fontRef>
+        </p:style>
+      </p:cxnSp>
+      <p:sp>
+        <p:nvSpPr>
+          <p:cNvPr id="99" name="CaixaDeTexto 98"/>
+          <p:cNvSpPr txBox="1"/>
+          <p:nvPr/>
+        </p:nvSpPr>
+        <p:spPr>
+          <a:xfrm>
+            <a:off x="3857620" y="2643182"/>
+            <a:ext cx="1164101" cy="1169551"/>
+          </a:xfrm>
+          <a:prstGeom prst="rect">
+            <a:avLst/>
+          </a:prstGeom>
+          <a:noFill/>
+        </p:spPr>
+        <p:txBody>
+          <a:bodyPr wrap="none" rtlCol="0">
+            <a:spAutoFit/>
+          </a:bodyPr>
+          <a:lstStyle/>
+          <a:p>
+            <a:pPr>
+              <a:buFont typeface="Wingdings" pitchFamily="2" charset="2"/>
+              <a:buChar char="q"/>
+            </a:pPr>
+            <a:r>
+              <a:rPr lang="pt-BR" sz="1400" b="1" dirty="0" smtClean="0"/>
+              <a:t>HOG</a:t>
+            </a:r>
+          </a:p>
+          <a:p>
+            <a:pPr>
+              <a:buFont typeface="Wingdings" pitchFamily="2" charset="2"/>
+              <a:buChar char="q"/>
+            </a:pPr>
+            <a:r>
+              <a:rPr lang="pt-BR" sz="1400" b="1" dirty="0" smtClean="0"/>
+              <a:t>HOG + PCA</a:t>
+            </a:r>
+          </a:p>
+          <a:p>
+            <a:pPr>
+              <a:buFont typeface="Wingdings" pitchFamily="2" charset="2"/>
+              <a:buChar char="q"/>
+            </a:pPr>
+            <a:r>
+              <a:rPr lang="pt-BR" sz="1400" b="1" dirty="0" smtClean="0"/>
+              <a:t>LBP</a:t>
+            </a:r>
+          </a:p>
+          <a:p>
+            <a:pPr>
+              <a:buFont typeface="Wingdings" pitchFamily="2" charset="2"/>
+              <a:buChar char="q"/>
+            </a:pPr>
+            <a:r>
+              <a:rPr lang="pt-BR" sz="1400" b="1" dirty="0" smtClean="0"/>
+              <a:t>LBPH</a:t>
+            </a:r>
+          </a:p>
+          <a:p>
+            <a:pPr>
+              <a:buFont typeface="Wingdings" pitchFamily="2" charset="2"/>
+              <a:buChar char="q"/>
+            </a:pPr>
+            <a:r>
+              <a:rPr lang="pt-BR" sz="1400" b="1" dirty="0" smtClean="0"/>
+              <a:t>ICA</a:t>
+            </a:r>
+            <a:endParaRPr lang="pt-BR" sz="1400" b="1" dirty="0"/>
+          </a:p>
+        </p:txBody>
+      </p:sp>
+      <p:sp>
+        <p:nvSpPr>
+          <p:cNvPr id="100" name="CaixaDeTexto 99"/>
+          <p:cNvSpPr txBox="1"/>
+          <p:nvPr/>
+        </p:nvSpPr>
+        <p:spPr>
+          <a:xfrm>
+            <a:off x="5357818" y="2714620"/>
+            <a:ext cx="1067921" cy="738664"/>
+          </a:xfrm>
+          <a:prstGeom prst="rect">
+            <a:avLst/>
+          </a:prstGeom>
+          <a:noFill/>
+        </p:spPr>
+        <p:txBody>
+          <a:bodyPr wrap="none" rtlCol="0">
+            <a:spAutoFit/>
+          </a:bodyPr>
+          <a:lstStyle/>
+          <a:p>
+            <a:pPr>
+              <a:buFont typeface="Wingdings" pitchFamily="2" charset="2"/>
+              <a:buChar char="q"/>
+            </a:pPr>
+            <a:r>
+              <a:rPr lang="pt-BR" sz="1400" b="1" dirty="0" smtClean="0"/>
+              <a:t>SVM</a:t>
+            </a:r>
+          </a:p>
+          <a:p>
+            <a:pPr>
+              <a:buFont typeface="Wingdings" pitchFamily="2" charset="2"/>
+              <a:buChar char="q"/>
+            </a:pPr>
+            <a:r>
+              <a:rPr lang="pt-BR" sz="1400" b="1" dirty="0" smtClean="0"/>
+              <a:t>MLP</a:t>
+            </a:r>
+          </a:p>
+          <a:p>
+            <a:pPr>
+              <a:buFont typeface="Wingdings" pitchFamily="2" charset="2"/>
+              <a:buChar char="q"/>
+            </a:pPr>
+            <a:r>
+              <a:rPr lang="pt-BR" sz="1400" b="1" dirty="0" smtClean="0"/>
+              <a:t>Ensemble</a:t>
+            </a:r>
+            <a:endParaRPr lang="pt-BR" sz="1400" b="1" dirty="0" smtClean="0"/>
+          </a:p>
+        </p:txBody>
+      </p:sp>
+      <p:sp>
+        <p:nvSpPr>
+          <p:cNvPr id="101" name="CaixaDeTexto 100"/>
+          <p:cNvSpPr txBox="1"/>
+          <p:nvPr/>
+        </p:nvSpPr>
+        <p:spPr>
+          <a:xfrm>
+            <a:off x="1785918" y="3071810"/>
+            <a:ext cx="939681" cy="1169551"/>
+          </a:xfrm>
+          <a:prstGeom prst="rect">
+            <a:avLst/>
+          </a:prstGeom>
+          <a:noFill/>
+        </p:spPr>
+        <p:txBody>
+          <a:bodyPr wrap="none" rtlCol="0">
+            <a:spAutoFit/>
+          </a:bodyPr>
+          <a:lstStyle/>
+          <a:p>
+            <a:pPr>
+              <a:buFont typeface="Wingdings" pitchFamily="2" charset="2"/>
+              <a:buChar char="q"/>
+            </a:pPr>
+            <a:r>
+              <a:rPr lang="pt-BR" sz="1400" b="1" dirty="0" smtClean="0"/>
+              <a:t>28,28</a:t>
+            </a:r>
+          </a:p>
+          <a:p>
+            <a:pPr>
+              <a:buFont typeface="Wingdings" pitchFamily="2" charset="2"/>
+              <a:buChar char="q"/>
+            </a:pPr>
+            <a:r>
+              <a:rPr lang="pt-BR" sz="1400" b="1" dirty="0" smtClean="0"/>
+              <a:t>64,32</a:t>
+            </a:r>
+          </a:p>
+          <a:p>
+            <a:pPr>
+              <a:buFont typeface="Wingdings" pitchFamily="2" charset="2"/>
+              <a:buChar char="q"/>
+            </a:pPr>
+            <a:r>
+              <a:rPr lang="pt-BR" sz="1400" b="1" dirty="0" smtClean="0"/>
+              <a:t>64,64</a:t>
+            </a:r>
+          </a:p>
+          <a:p>
+            <a:pPr>
+              <a:buFont typeface="Wingdings" pitchFamily="2" charset="2"/>
+              <a:buChar char="q"/>
+            </a:pPr>
+            <a:r>
+              <a:rPr lang="pt-BR" sz="1400" b="1" dirty="0" smtClean="0"/>
+              <a:t>128,64</a:t>
+            </a:r>
+          </a:p>
+          <a:p>
+            <a:pPr>
+              <a:buFont typeface="Wingdings" pitchFamily="2" charset="2"/>
+              <a:buChar char="q"/>
+            </a:pPr>
+            <a:r>
+              <a:rPr lang="pt-BR" sz="1400" b="1" dirty="0" smtClean="0"/>
+              <a:t>100,100</a:t>
+            </a:r>
+            <a:endParaRPr lang="pt-BR" sz="1400" b="1" dirty="0"/>
+          </a:p>
+        </p:txBody>
+      </p:sp>
+      <p:sp>
+        <p:nvSpPr>
+          <p:cNvPr id="28" name="Retângulo 27"/>
+          <p:cNvSpPr/>
+          <p:nvPr/>
+        </p:nvSpPr>
+        <p:spPr>
+          <a:xfrm>
+            <a:off x="1785918" y="4831194"/>
+            <a:ext cx="642943" cy="357190"/>
+          </a:xfrm>
+          <a:prstGeom prst="rect">
+            <a:avLst/>
+          </a:prstGeom>
+          <a:noFill/>
+          <a:ln>
+            <a:solidFill>
+              <a:schemeClr val="tx1"/>
+            </a:solidFill>
+          </a:ln>
+        </p:spPr>
+        <p:style>
+          <a:lnRef idx="2">
+            <a:schemeClr val="accent1">
+              <a:shade val="50000"/>
+            </a:schemeClr>
+          </a:lnRef>
+          <a:fillRef idx="1">
+            <a:schemeClr val="accent1"/>
+          </a:fillRef>
+          <a:effectRef idx="0">
+            <a:schemeClr val="accent1"/>
+          </a:effectRef>
+          <a:fontRef idx="minor">
+            <a:schemeClr val="lt1"/>
+          </a:fontRef>
+        </p:style>
+        <p:txBody>
+          <a:bodyPr rtlCol="0" anchor="ctr"/>
+          <a:lstStyle/>
+          <a:p>
+            <a:pPr algn="ctr"/>
+            <a:r>
+              <a:rPr lang="pt-BR" sz="1400" b="1" dirty="0" smtClean="0">
+                <a:solidFill>
+                  <a:schemeClr val="tx1"/>
+                </a:solidFill>
+              </a:rPr>
+              <a:t>VJ</a:t>
+            </a:r>
+            <a:endParaRPr lang="pt-BR" b="1" dirty="0">
+              <a:solidFill>
+                <a:schemeClr val="tx1"/>
+              </a:solidFill>
+            </a:endParaRPr>
+          </a:p>
+        </p:txBody>
+      </p:sp>
+      <p:sp>
+        <p:nvSpPr>
+          <p:cNvPr id="29" name="Retângulo 28"/>
+          <p:cNvSpPr/>
+          <p:nvPr/>
+        </p:nvSpPr>
+        <p:spPr>
+          <a:xfrm>
+            <a:off x="2857488" y="4831194"/>
+            <a:ext cx="642943" cy="357190"/>
+          </a:xfrm>
+          <a:prstGeom prst="rect">
+            <a:avLst/>
+          </a:prstGeom>
+          <a:noFill/>
+          <a:ln>
+            <a:solidFill>
+              <a:schemeClr val="tx1"/>
+            </a:solidFill>
+          </a:ln>
+        </p:spPr>
+        <p:style>
+          <a:lnRef idx="2">
+            <a:schemeClr val="accent1">
+              <a:shade val="50000"/>
+            </a:schemeClr>
+          </a:lnRef>
+          <a:fillRef idx="1">
+            <a:schemeClr val="accent1"/>
+          </a:fillRef>
+          <a:effectRef idx="0">
+            <a:schemeClr val="accent1"/>
+          </a:effectRef>
+          <a:fontRef idx="minor">
+            <a:schemeClr val="lt1"/>
+          </a:fontRef>
+        </p:style>
+        <p:txBody>
+          <a:bodyPr rtlCol="0" anchor="ctr"/>
+          <a:lstStyle/>
+          <a:p>
+            <a:pPr algn="ctr"/>
+            <a:r>
+              <a:rPr lang="pt-BR" sz="1400" b="1" dirty="0" smtClean="0">
+                <a:solidFill>
+                  <a:schemeClr val="tx1"/>
+                </a:solidFill>
+              </a:rPr>
+              <a:t>resize</a:t>
+            </a:r>
+            <a:endParaRPr lang="pt-BR" sz="1400" b="1" dirty="0">
+              <a:solidFill>
+                <a:schemeClr val="tx1"/>
+              </a:solidFill>
+            </a:endParaRPr>
+          </a:p>
+        </p:txBody>
+      </p:sp>
+      <p:cxnSp>
+        <p:nvCxnSpPr>
+          <p:cNvPr id="30" name="Conector de seta reta 29"/>
+          <p:cNvCxnSpPr>
+            <a:stCxn id="28" idx="3"/>
+            <a:endCxn id="29" idx="1"/>
+          </p:cNvCxnSpPr>
+          <p:nvPr/>
+        </p:nvCxnSpPr>
+        <p:spPr>
+          <a:xfrm>
+            <a:off x="2428861" y="5009789"/>
+            <a:ext cx="428627" cy="1588"/>
+          </a:xfrm>
+          <a:prstGeom prst="straightConnector1">
+            <a:avLst/>
+          </a:prstGeom>
+          <a:ln w="15875">
+            <a:solidFill>
+              <a:schemeClr val="tx1"/>
+            </a:solidFill>
+            <a:tailEnd type="arrow"/>
+          </a:ln>
+        </p:spPr>
+        <p:style>
+          <a:lnRef idx="1">
+            <a:schemeClr val="accent1"/>
+          </a:lnRef>
+          <a:fillRef idx="0">
+            <a:schemeClr val="accent1"/>
+          </a:fillRef>
+          <a:effectRef idx="0">
+            <a:schemeClr val="accent1"/>
+          </a:effectRef>
+          <a:fontRef idx="minor">
+            <a:schemeClr val="tx1"/>
+          </a:fontRef>
+        </p:style>
+      </p:cxnSp>
+      <p:sp>
+        <p:nvSpPr>
+          <p:cNvPr id="31" name="Retângulo 30"/>
+          <p:cNvSpPr/>
+          <p:nvPr/>
+        </p:nvSpPr>
+        <p:spPr>
+          <a:xfrm>
+            <a:off x="500034" y="4831194"/>
+            <a:ext cx="857257" cy="357190"/>
+          </a:xfrm>
+          <a:prstGeom prst="rect">
+            <a:avLst/>
+          </a:prstGeom>
+          <a:noFill/>
+          <a:ln>
+            <a:solidFill>
+              <a:schemeClr val="tx1"/>
+            </a:solidFill>
+          </a:ln>
+        </p:spPr>
+        <p:style>
+          <a:lnRef idx="2">
+            <a:schemeClr val="accent1">
+              <a:shade val="50000"/>
+            </a:schemeClr>
+          </a:lnRef>
+          <a:fillRef idx="1">
+            <a:schemeClr val="accent1"/>
+          </a:fillRef>
+          <a:effectRef idx="0">
+            <a:schemeClr val="accent1"/>
+          </a:effectRef>
+          <a:fontRef idx="minor">
+            <a:schemeClr val="lt1"/>
+          </a:fontRef>
+        </p:style>
+        <p:txBody>
+          <a:bodyPr rtlCol="0" anchor="ctr"/>
+          <a:lstStyle/>
+          <a:p>
+            <a:pPr algn="ctr"/>
+            <a:r>
+              <a:rPr lang="pt-BR" sz="1400" b="1" dirty="0" smtClean="0">
+                <a:solidFill>
+                  <a:schemeClr val="tx1"/>
+                </a:solidFill>
+              </a:rPr>
+              <a:t>Original</a:t>
+            </a:r>
+            <a:endParaRPr lang="pt-BR" sz="1100" b="1" dirty="0">
+              <a:solidFill>
+                <a:schemeClr val="tx1"/>
+              </a:solidFill>
+            </a:endParaRPr>
+          </a:p>
+        </p:txBody>
+      </p:sp>
+      <p:cxnSp>
+        <p:nvCxnSpPr>
+          <p:cNvPr id="32" name="Conector de seta reta 31"/>
+          <p:cNvCxnSpPr>
+            <a:stCxn id="31" idx="3"/>
+            <a:endCxn id="28" idx="1"/>
+          </p:cNvCxnSpPr>
+          <p:nvPr/>
+        </p:nvCxnSpPr>
+        <p:spPr>
+          <a:xfrm>
+            <a:off x="1357291" y="5009789"/>
+            <a:ext cx="428627" cy="1588"/>
+          </a:xfrm>
+          <a:prstGeom prst="straightConnector1">
+            <a:avLst/>
+          </a:prstGeom>
+          <a:ln w="15875">
+            <a:solidFill>
+              <a:schemeClr val="tx1"/>
+            </a:solidFill>
+            <a:tailEnd type="arrow"/>
+          </a:ln>
+        </p:spPr>
+        <p:style>
+          <a:lnRef idx="1">
+            <a:schemeClr val="accent1"/>
+          </a:lnRef>
+          <a:fillRef idx="0">
+            <a:schemeClr val="accent1"/>
+          </a:fillRef>
+          <a:effectRef idx="0">
+            <a:schemeClr val="accent1"/>
+          </a:effectRef>
+          <a:fontRef idx="minor">
+            <a:schemeClr val="tx1"/>
+          </a:fontRef>
+        </p:style>
+      </p:cxnSp>
+      <p:sp>
+        <p:nvSpPr>
+          <p:cNvPr id="33" name="Chave esquerda 32"/>
+          <p:cNvSpPr/>
+          <p:nvPr/>
+        </p:nvSpPr>
+        <p:spPr>
+          <a:xfrm rot="16200000">
+            <a:off x="2553878" y="4527582"/>
+            <a:ext cx="178593" cy="1714513"/>
+          </a:xfrm>
+          <a:prstGeom prst="leftBrace">
+            <a:avLst/>
+          </a:prstGeom>
+          <a:ln>
+            <a:solidFill>
+              <a:schemeClr val="tx1"/>
+            </a:solidFill>
+          </a:ln>
+        </p:spPr>
+        <p:style>
+          <a:lnRef idx="1">
+            <a:schemeClr val="accent1"/>
+          </a:lnRef>
+          <a:fillRef idx="0">
+            <a:schemeClr val="accent1"/>
+          </a:fillRef>
+          <a:effectRef idx="0">
+            <a:schemeClr val="accent1"/>
+          </a:effectRef>
+          <a:fontRef idx="minor">
+            <a:schemeClr val="tx1"/>
+          </a:fontRef>
+        </p:style>
+        <p:txBody>
+          <a:bodyPr rtlCol="0" anchor="ctr"/>
+          <a:lstStyle/>
+          <a:p>
+            <a:pPr algn="ctr"/>
+            <a:endParaRPr lang="pt-BR" dirty="0"/>
+          </a:p>
+        </p:txBody>
+      </p:sp>
+      <p:sp>
+        <p:nvSpPr>
+          <p:cNvPr id="34" name="CaixaDeTexto 33"/>
+          <p:cNvSpPr txBox="1"/>
+          <p:nvPr/>
+        </p:nvSpPr>
+        <p:spPr>
+          <a:xfrm>
+            <a:off x="1802778" y="5402697"/>
+            <a:ext cx="1626214" cy="307777"/>
+          </a:xfrm>
+          <a:prstGeom prst="rect">
+            <a:avLst/>
+          </a:prstGeom>
+          <a:noFill/>
+        </p:spPr>
+        <p:txBody>
+          <a:bodyPr wrap="none" rtlCol="0">
+            <a:spAutoFit/>
+          </a:bodyPr>
+          <a:lstStyle/>
+          <a:p>
+            <a:r>
+              <a:rPr lang="pt-BR" sz="1400" b="1" dirty="0" smtClean="0"/>
+              <a:t>Pré-processamento</a:t>
+            </a:r>
+            <a:endParaRPr lang="pt-BR" sz="1400" b="1" dirty="0"/>
+          </a:p>
+        </p:txBody>
+      </p:sp>
+      <p:sp>
+        <p:nvSpPr>
+          <p:cNvPr id="35" name="Retângulo 34"/>
+          <p:cNvSpPr/>
+          <p:nvPr/>
+        </p:nvSpPr>
+        <p:spPr>
+          <a:xfrm>
+            <a:off x="3929058" y="4831193"/>
+            <a:ext cx="1071570" cy="357190"/>
+          </a:xfrm>
+          <a:prstGeom prst="rect">
+            <a:avLst/>
+          </a:prstGeom>
+          <a:noFill/>
+          <a:ln>
+            <a:solidFill>
+              <a:schemeClr val="tx1"/>
+            </a:solidFill>
+          </a:ln>
+        </p:spPr>
+        <p:style>
+          <a:lnRef idx="2">
+            <a:schemeClr val="accent1">
+              <a:shade val="50000"/>
+            </a:schemeClr>
+          </a:lnRef>
+          <a:fillRef idx="1">
+            <a:schemeClr val="accent1"/>
+          </a:fillRef>
+          <a:effectRef idx="0">
+            <a:schemeClr val="accent1"/>
+          </a:effectRef>
+          <a:fontRef idx="minor">
+            <a:schemeClr val="lt1"/>
+          </a:fontRef>
+        </p:style>
+        <p:txBody>
+          <a:bodyPr rtlCol="0" anchor="ctr"/>
+          <a:lstStyle/>
+          <a:p>
+            <a:pPr algn="ctr"/>
+            <a:r>
+              <a:rPr lang="pt-BR" sz="1400" b="1" dirty="0" err="1" smtClean="0">
+                <a:solidFill>
+                  <a:schemeClr val="tx1"/>
+                </a:solidFill>
+              </a:rPr>
+              <a:t>classifiers</a:t>
+            </a:r>
+            <a:endParaRPr lang="pt-BR" sz="1400" b="1" dirty="0">
+              <a:solidFill>
+                <a:schemeClr val="tx1"/>
+              </a:solidFill>
+            </a:endParaRPr>
+          </a:p>
+        </p:txBody>
+      </p:sp>
+      <p:cxnSp>
+        <p:nvCxnSpPr>
+          <p:cNvPr id="36" name="Conector de seta reta 35"/>
+          <p:cNvCxnSpPr>
+            <a:stCxn id="29" idx="3"/>
+            <a:endCxn id="35" idx="1"/>
+          </p:cNvCxnSpPr>
+          <p:nvPr/>
+        </p:nvCxnSpPr>
+        <p:spPr>
+          <a:xfrm flipV="1">
+            <a:off x="3500431" y="5009788"/>
+            <a:ext cx="428627" cy="1"/>
+          </a:xfrm>
+          <a:prstGeom prst="straightConnector1">
+            <a:avLst/>
+          </a:prstGeom>
+          <a:ln w="15875">
+            <a:solidFill>
+              <a:schemeClr val="tx1"/>
+            </a:solidFill>
+            <a:tailEnd type="arrow"/>
+          </a:ln>
+        </p:spPr>
+        <p:style>
+          <a:lnRef idx="1">
+            <a:schemeClr val="accent1"/>
+          </a:lnRef>
+          <a:fillRef idx="0">
+            <a:schemeClr val="accent1"/>
+          </a:fillRef>
+          <a:effectRef idx="0">
+            <a:schemeClr val="accent1"/>
+          </a:effectRef>
+          <a:fontRef idx="minor">
+            <a:schemeClr val="tx1"/>
+          </a:fontRef>
+        </p:style>
+      </p:cxnSp>
+      <p:sp>
+        <p:nvSpPr>
+          <p:cNvPr id="40" name="CaixaDeTexto 39"/>
+          <p:cNvSpPr txBox="1"/>
+          <p:nvPr/>
+        </p:nvSpPr>
+        <p:spPr>
+          <a:xfrm>
+            <a:off x="4071934" y="5286388"/>
+            <a:ext cx="676788" cy="307777"/>
+          </a:xfrm>
+          <a:prstGeom prst="rect">
+            <a:avLst/>
+          </a:prstGeom>
+          <a:noFill/>
+        </p:spPr>
+        <p:txBody>
+          <a:bodyPr wrap="none" rtlCol="0">
+            <a:spAutoFit/>
+          </a:bodyPr>
+          <a:lstStyle/>
+          <a:p>
+            <a:pPr>
+              <a:buFont typeface="Wingdings" pitchFamily="2" charset="2"/>
+              <a:buChar char="q"/>
+            </a:pPr>
+            <a:r>
+              <a:rPr lang="pt-BR" sz="1400" b="1" dirty="0" smtClean="0"/>
+              <a:t>CNN</a:t>
+            </a:r>
+            <a:endParaRPr lang="pt-BR" sz="1400" b="1" dirty="0" smtClean="0"/>
+          </a:p>
+        </p:txBody>
+      </p:sp>
+      <p:sp>
+        <p:nvSpPr>
+          <p:cNvPr id="41" name="CaixaDeTexto 40"/>
+          <p:cNvSpPr txBox="1"/>
+          <p:nvPr/>
+        </p:nvSpPr>
+        <p:spPr>
+          <a:xfrm>
+            <a:off x="1857356" y="5688449"/>
+            <a:ext cx="939681" cy="523220"/>
+          </a:xfrm>
+          <a:prstGeom prst="rect">
+            <a:avLst/>
+          </a:prstGeom>
+          <a:noFill/>
+        </p:spPr>
+        <p:txBody>
+          <a:bodyPr wrap="none" rtlCol="0">
+            <a:spAutoFit/>
+          </a:bodyPr>
+          <a:lstStyle/>
+          <a:p>
+            <a:pPr>
+              <a:buFont typeface="Wingdings" pitchFamily="2" charset="2"/>
+              <a:buChar char="q"/>
+            </a:pPr>
+            <a:r>
+              <a:rPr lang="pt-BR" sz="1400" b="1" dirty="0" smtClean="0"/>
+              <a:t>28,28</a:t>
+            </a:r>
+            <a:endParaRPr lang="pt-BR" sz="1400" b="1" dirty="0" smtClean="0"/>
+          </a:p>
+          <a:p>
+            <a:pPr>
+              <a:buFont typeface="Wingdings" pitchFamily="2" charset="2"/>
+              <a:buChar char="q"/>
+            </a:pPr>
+            <a:r>
+              <a:rPr lang="pt-BR" sz="1400" b="1" dirty="0" smtClean="0"/>
+              <a:t>100,100</a:t>
+            </a:r>
+            <a:endParaRPr lang="pt-BR" sz="1400" b="1" dirty="0"/>
+          </a:p>
+        </p:txBody>
+      </p:sp>
+    </p:spTree>
+  </p:cSld>
+  <p:clrMapOvr>
+    <a:masterClrMapping/>
+  </p:clrMapOvr>
+</p:sld>
+</file>
+
+<file path=ppt/slides/slide5.xml><?xml version="1.0" encoding="utf-8"?>
 <p:sld xmlns:a="http://schemas.openxmlformats.org/drawingml/2006/main" xmlns:r="http://schemas.openxmlformats.org/officeDocument/2006/relationships" xmlns:p="http://schemas.openxmlformats.org/presentationml/2006/main">
   <p:cSld>
     <p:spTree>
